--- a/web/02_intro_to_threejs.pptx
+++ b/web/02_intro_to_threejs.pptx
@@ -5,7 +5,7 @@
     <p:sldMasterId id="2147484031" r:id="rId1"/>
   </p:sldMasterIdLst>
   <p:notesMasterIdLst>
-    <p:notesMasterId r:id="rId15"/>
+    <p:notesMasterId r:id="rId17"/>
   </p:notesMasterIdLst>
   <p:sldIdLst>
     <p:sldId id="256" r:id="rId2"/>
@@ -21,6 +21,8 @@
     <p:sldId id="274" r:id="rId12"/>
     <p:sldId id="275" r:id="rId13"/>
     <p:sldId id="269" r:id="rId14"/>
+    <p:sldId id="276" r:id="rId15"/>
+    <p:sldId id="277" r:id="rId16"/>
   </p:sldIdLst>
   <p:sldSz cx="12192000" cy="6858000"/>
   <p:notesSz cx="6858000" cy="9144000"/>
@@ -121,7 +123,7 @@
   </p:defaultTextStyle>
   <p:extLst>
     <p:ext uri="{EFAFB233-063F-42B5-8137-9DF3F51BA10A}">
-      <p15:sldGuideLst xmlns:p15="http://schemas.microsoft.com/office/powerpoint/2012/main" xmlns=""/>
+      <p15:sldGuideLst xmlns="" xmlns:p15="http://schemas.microsoft.com/office/powerpoint/2012/main"/>
     </p:ext>
   </p:extLst>
 </p:presentation>
@@ -209,7 +211,7 @@
           <a:p>
             <a:fld id="{B9215387-4CA7-BE46-8B46-BA5CFED08983}" type="datetimeFigureOut">
               <a:rPr lang="en-US" smtClean="0"/>
-              <a:t>7/20/18</a:t>
+              <a:t>7/24/18</a:t>
             </a:fld>
             <a:endParaRPr lang="en-US"/>
           </a:p>
@@ -669,7 +671,7 @@
             <a:fld id="{08B9EBBA-996F-894A-B54A-D6246ED52CEA}" type="datetimeFigureOut">
               <a:rPr lang="en-US" smtClean="0"/>
               <a:pPr/>
-              <a:t>7/20/18</a:t>
+              <a:t>7/24/18</a:t>
             </a:fld>
             <a:endParaRPr lang="en-US" dirty="0"/>
           </a:p>
@@ -876,7 +878,7 @@
             <a:fld id="{C6C52C72-DE31-F449-A4ED-4C594FD91407}" type="datetimeFigureOut">
               <a:rPr lang="en-US" smtClean="0"/>
               <a:pPr/>
-              <a:t>7/20/18</a:t>
+              <a:t>7/24/18</a:t>
             </a:fld>
             <a:endParaRPr lang="en-US" dirty="0"/>
           </a:p>
@@ -1053,7 +1055,7 @@
             <a:fld id="{ED62726E-379B-B349-9EED-81ED093FA806}" type="datetimeFigureOut">
               <a:rPr lang="en-US" smtClean="0"/>
               <a:pPr/>
-              <a:t>7/20/18</a:t>
+              <a:t>7/24/18</a:t>
             </a:fld>
             <a:endParaRPr lang="en-US" dirty="0"/>
           </a:p>
@@ -1220,7 +1222,7 @@
             <a:fld id="{9B3A1323-8D79-1946-B0D7-40001CF92E9D}" type="datetimeFigureOut">
               <a:rPr lang="en-US" smtClean="0"/>
               <a:pPr/>
-              <a:t>7/20/18</a:t>
+              <a:t>7/24/18</a:t>
             </a:fld>
             <a:endParaRPr lang="en-US" dirty="0"/>
           </a:p>
@@ -1471,7 +1473,7 @@
             <a:fld id="{8DFA1846-DA80-1C48-A609-854EA85C59AD}" type="datetimeFigureOut">
               <a:rPr lang="en-US" smtClean="0"/>
               <a:pPr/>
-              <a:t>7/20/18</a:t>
+              <a:t>7/24/18</a:t>
             </a:fld>
             <a:endParaRPr lang="en-US" dirty="0"/>
           </a:p>
@@ -1794,7 +1796,7 @@
             <a:fld id="{57302355-E14B-8545-A8F8-0FE83CC9D524}" type="datetimeFigureOut">
               <a:rPr lang="en-US" smtClean="0"/>
               <a:pPr/>
-              <a:t>7/20/18</a:t>
+              <a:t>7/24/18</a:t>
             </a:fld>
             <a:endParaRPr lang="en-US" dirty="0"/>
           </a:p>
@@ -1850,7 +1852,7 @@
   </p:clrMapOvr>
   <p:extLst>
     <p:ext uri="{DCECCB84-F9BA-43D5-87BE-67443E8EF086}">
-      <p15:sldGuideLst xmlns:p15="http://schemas.microsoft.com/office/powerpoint/2012/main" xmlns=""/>
+      <p15:sldGuideLst xmlns="" xmlns:p15="http://schemas.microsoft.com/office/powerpoint/2012/main"/>
     </p:ext>
   </p:extLst>
 </p:sldLayout>
@@ -2247,7 +2249,7 @@
             <a:fld id="{02640F58-564D-2B4F-AE67-E407BA4FCF45}" type="datetimeFigureOut">
               <a:rPr lang="en-US" smtClean="0"/>
               <a:pPr/>
-              <a:t>7/20/18</a:t>
+              <a:t>7/24/18</a:t>
             </a:fld>
             <a:endParaRPr lang="en-US" dirty="0"/>
           </a:p>
@@ -2303,7 +2305,7 @@
   </p:clrMapOvr>
   <p:extLst>
     <p:ext uri="{DCECCB84-F9BA-43D5-87BE-67443E8EF086}">
-      <p15:sldGuideLst xmlns:p15="http://schemas.microsoft.com/office/powerpoint/2012/main" xmlns=""/>
+      <p15:sldGuideLst xmlns="" xmlns:p15="http://schemas.microsoft.com/office/powerpoint/2012/main"/>
     </p:ext>
   </p:extLst>
 </p:sldLayout>
@@ -2367,7 +2369,7 @@
             <a:fld id="{F13A34C8-038E-2045-AF43-DF7DBB8E0E9E}" type="datetimeFigureOut">
               <a:rPr lang="en-US" smtClean="0"/>
               <a:pPr/>
-              <a:t>7/20/18</a:t>
+              <a:t>7/24/18</a:t>
             </a:fld>
             <a:endParaRPr lang="en-US" dirty="0"/>
           </a:p>
@@ -2459,7 +2461,7 @@
             <a:fld id="{8818C68F-D26B-8F47-958C-23B49CF8A634}" type="datetimeFigureOut">
               <a:rPr lang="en-US" smtClean="0"/>
               <a:pPr/>
-              <a:t>7/20/18</a:t>
+              <a:t>7/24/18</a:t>
             </a:fld>
             <a:endParaRPr lang="en-US" dirty="0"/>
           </a:p>
@@ -2743,7 +2745,7 @@
             <a:fld id="{D0DF5E60-9974-AC48-9591-99C2BB44B7CF}" type="datetimeFigureOut">
               <a:rPr lang="en-US" smtClean="0"/>
               <a:pPr/>
-              <a:t>7/20/18</a:t>
+              <a:t>7/24/18</a:t>
             </a:fld>
             <a:endParaRPr lang="en-US" dirty="0"/>
           </a:p>
@@ -2799,7 +2801,7 @@
   </p:clrMapOvr>
   <p:extLst>
     <p:ext uri="{DCECCB84-F9BA-43D5-87BE-67443E8EF086}">
-      <p15:sldGuideLst xmlns:p15="http://schemas.microsoft.com/office/powerpoint/2012/main" xmlns=""/>
+      <p15:sldGuideLst xmlns="" xmlns:p15="http://schemas.microsoft.com/office/powerpoint/2012/main"/>
     </p:ext>
   </p:extLst>
 </p:sldLayout>
@@ -3063,7 +3065,7 @@
             <a:fld id="{18C79C5D-2A6F-F04D-97DA-BEF2467B64E4}" type="datetimeFigureOut">
               <a:rPr lang="en-US" smtClean="0"/>
               <a:pPr/>
-              <a:t>7/20/18</a:t>
+              <a:t>7/24/18</a:t>
             </a:fld>
             <a:endParaRPr lang="en-US" dirty="0"/>
           </a:p>
@@ -3317,7 +3319,7 @@
             <a:fld id="{09B482E8-6E0E-1B4F-B1FD-C69DB9E858D9}" type="datetimeFigureOut">
               <a:rPr lang="en-US" smtClean="0"/>
               <a:pPr/>
-              <a:t>7/20/18</a:t>
+              <a:t>7/24/18</a:t>
             </a:fld>
             <a:endParaRPr lang="en-US" dirty="0"/>
           </a:p>
@@ -3793,7 +3795,7 @@
   </p:txStyles>
   <p:extLst>
     <p:ext uri="{27BBF7A9-308A-43DC-89C8-2F10F3537804}">
-      <p15:sldGuideLst xmlns:p15="http://schemas.microsoft.com/office/powerpoint/2012/main" xmlns=""/>
+      <p15:sldGuideLst xmlns="" xmlns:p15="http://schemas.microsoft.com/office/powerpoint/2012/main"/>
     </p:ext>
   </p:extLst>
 </p:sldMaster>
@@ -3833,11 +3835,7 @@
           <a:p>
             <a:r>
               <a:rPr lang="en-US" dirty="0" smtClean="0"/>
-              <a:t>Introduction to </a:t>
-            </a:r>
-            <a:r>
-              <a:rPr lang="en-US" dirty="0" smtClean="0"/>
-              <a:t>3D Graphics with </a:t>
+              <a:t>Introduction to 3D Graphics with </a:t>
             </a:r>
             <a:r>
               <a:rPr lang="en-US" dirty="0" err="1" smtClean="0"/>
@@ -3864,15 +3862,7 @@
           <a:p>
             <a:r>
               <a:rPr lang="en-US" dirty="0" smtClean="0"/>
-              <a:t>Adapted from slides by </a:t>
-            </a:r>
-            <a:r>
-              <a:rPr lang="en-US" dirty="0" smtClean="0"/>
-              <a:t>Crystal </a:t>
-            </a:r>
-            <a:r>
-              <a:rPr lang="en-US" dirty="0" smtClean="0"/>
-              <a:t>Hess</a:t>
+              <a:t>Adapted from slides by Crystal Hess</a:t>
             </a:r>
             <a:endParaRPr lang="en-US" dirty="0"/>
           </a:p>
@@ -3925,11 +3915,7 @@
           <a:p>
             <a:r>
               <a:rPr lang="en-US" dirty="0" smtClean="0"/>
-              <a:t>Example: </a:t>
-            </a:r>
-            <a:r>
-              <a:rPr lang="en-US" dirty="0" smtClean="0"/>
-              <a:t>Lighting</a:t>
+              <a:t>Example: Lighting</a:t>
             </a:r>
             <a:endParaRPr lang="en-US" dirty="0"/>
           </a:p>
@@ -4205,16 +4191,13 @@
           <a:p>
             <a:r>
               <a:rPr lang="en-US" dirty="0" smtClean="0"/>
-              <a:t>Now get web-&gt;</a:t>
-            </a:r>
-            <a:r>
-              <a:rPr lang="en-US" dirty="0" err="1" smtClean="0"/>
-              <a:t>three_projects</a:t>
-            </a:r>
-            <a:r>
-              <a:rPr lang="en-US" dirty="0" smtClean="0"/>
-              <a:t>-&gt;01_sphere_with_lighting folder</a:t>
-            </a:r>
+              <a:t>Now </a:t>
+            </a:r>
+            <a:r>
+              <a:rPr lang="en-US" dirty="0" smtClean="0"/>
+              <a:t>open the 01_sphere_with_lighting project</a:t>
+            </a:r>
+            <a:endParaRPr lang="en-US" dirty="0" smtClean="0"/>
           </a:p>
           <a:p>
             <a:r>
@@ -4378,7 +4361,11 @@
           <a:p>
             <a:r>
               <a:rPr lang="en-US" dirty="0" smtClean="0"/>
-              <a:t>Light Types</a:t>
+              <a:t>Common Light </a:t>
+            </a:r>
+            <a:r>
+              <a:rPr lang="en-US" dirty="0" smtClean="0"/>
+              <a:t>Types</a:t>
             </a:r>
             <a:endParaRPr lang="en-US" dirty="0"/>
           </a:p>
@@ -4705,17 +4692,17 @@
           <a:p>
             <a:r>
               <a:rPr lang="en-US" dirty="0" smtClean="0"/>
-              <a:t>Get the 02 project, Loops and Events</a:t>
-            </a:r>
-          </a:p>
-          <a:p>
-            <a:r>
-              <a:rPr lang="en-US" dirty="0" smtClean="0"/>
-              <a:t>Consider </a:t>
-            </a:r>
-            <a:r>
-              <a:rPr lang="en-US" dirty="0" smtClean="0"/>
-              <a:t>the code here</a:t>
+              <a:t>Open the </a:t>
+            </a:r>
+            <a:r>
+              <a:rPr lang="en-US" dirty="0" smtClean="0"/>
+              <a:t>02 project, Loops and Events</a:t>
+            </a:r>
+          </a:p>
+          <a:p>
+            <a:r>
+              <a:rPr lang="en-US" dirty="0" smtClean="0"/>
+              <a:t>Consider the code here</a:t>
             </a:r>
           </a:p>
           <a:p>
@@ -4725,15 +4712,7 @@
             </a:pPr>
             <a:r>
               <a:rPr lang="en-US" dirty="0" smtClean="0"/>
-              <a:t>Can you make the line of </a:t>
-            </a:r>
-            <a:r>
-              <a:rPr lang="en-US" dirty="0" smtClean="0"/>
-              <a:t>spheres longer</a:t>
-            </a:r>
-            <a:r>
-              <a:rPr lang="en-US" dirty="0" smtClean="0"/>
-              <a:t>?</a:t>
+              <a:t>Can you make the line of spheres longer?</a:t>
             </a:r>
           </a:p>
           <a:p>
@@ -4743,13 +4722,8 @@
             </a:pPr>
             <a:r>
               <a:rPr lang="en-US" dirty="0" smtClean="0"/>
-              <a:t>Can you make the </a:t>
-            </a:r>
-            <a:r>
-              <a:rPr lang="en-US" dirty="0" smtClean="0"/>
-              <a:t>spheres stack vertically instead of line up?</a:t>
-            </a:r>
-            <a:endParaRPr lang="en-US" dirty="0" smtClean="0"/>
+              <a:t>Can you make the spheres stack vertically instead of line up?</a:t>
+            </a:r>
           </a:p>
           <a:p>
             <a:pPr marL="617220" lvl="1" indent="-342900">
@@ -4758,15 +4732,7 @@
             </a:pPr>
             <a:r>
               <a:rPr lang="en-US" dirty="0" smtClean="0"/>
-              <a:t>Can you space the </a:t>
-            </a:r>
-            <a:r>
-              <a:rPr lang="en-US" dirty="0" smtClean="0"/>
-              <a:t>spheres farther </a:t>
-            </a:r>
-            <a:r>
-              <a:rPr lang="en-US" dirty="0" smtClean="0"/>
-              <a:t>apart?</a:t>
+              <a:t>Can you space the spheres farther apart?</a:t>
             </a:r>
           </a:p>
           <a:p>
@@ -4776,11 +4742,7 @@
             </a:pPr>
             <a:r>
               <a:rPr lang="en-US" dirty="0" smtClean="0"/>
-              <a:t>Can you make the </a:t>
-            </a:r>
-            <a:r>
-              <a:rPr lang="en-US" dirty="0" smtClean="0"/>
-              <a:t>spheres larger?</a:t>
+              <a:t>Can you make the spheres larger?</a:t>
             </a:r>
           </a:p>
           <a:p>
@@ -4792,7 +4754,6 @@
               <a:rPr lang="en-US" dirty="0" smtClean="0"/>
               <a:t>Can you make each one larger than the last?</a:t>
             </a:r>
-            <a:endParaRPr lang="en-US" dirty="0" smtClean="0"/>
           </a:p>
           <a:p>
             <a:pPr lvl="1"/>
@@ -4814,19 +4775,7 @@
             <a:pPr lvl="1"/>
             <a:r>
               <a:rPr lang="en-US" dirty="0" smtClean="0"/>
-              <a:t>Make each </a:t>
-            </a:r>
-            <a:r>
-              <a:rPr lang="en-US" dirty="0" smtClean="0"/>
-              <a:t>sphere be </a:t>
-            </a:r>
-            <a:r>
-              <a:rPr lang="en-US" dirty="0" smtClean="0"/>
-              <a:t>a </a:t>
-            </a:r>
-            <a:r>
-              <a:rPr lang="en-US" dirty="0" smtClean="0"/>
-              <a:t>different random color</a:t>
+              <a:t>Make each sphere be a different random color</a:t>
             </a:r>
           </a:p>
           <a:p>
@@ -4917,6 +4866,278 @@
 </p:sld>
 </file>
 
+<file path=ppt/slides/slide14.xml><?xml version="1.0" encoding="utf-8"?>
+<p:sld xmlns:a="http://schemas.openxmlformats.org/drawingml/2006/main" xmlns:r="http://schemas.openxmlformats.org/officeDocument/2006/relationships" xmlns:p="http://schemas.openxmlformats.org/presentationml/2006/main">
+  <p:cSld>
+    <p:spTree>
+      <p:nvGrpSpPr>
+        <p:cNvPr id="1" name=""/>
+        <p:cNvGrpSpPr/>
+        <p:nvPr/>
+      </p:nvGrpSpPr>
+      <p:grpSpPr>
+        <a:xfrm>
+          <a:off x="0" y="0"/>
+          <a:ext cx="0" cy="0"/>
+          <a:chOff x="0" y="0"/>
+          <a:chExt cx="0" cy="0"/>
+        </a:xfrm>
+      </p:grpSpPr>
+      <p:sp>
+        <p:nvSpPr>
+          <p:cNvPr id="2" name="Title 1"/>
+          <p:cNvSpPr>
+            <a:spLocks noGrp="1"/>
+          </p:cNvSpPr>
+          <p:nvPr>
+            <p:ph type="title"/>
+          </p:nvPr>
+        </p:nvSpPr>
+        <p:spPr/>
+        <p:txBody>
+          <a:bodyPr/>
+          <a:lstStyle/>
+          <a:p>
+            <a:r>
+              <a:rPr lang="en-US" dirty="0" smtClean="0"/>
+              <a:t>Shadows</a:t>
+            </a:r>
+            <a:endParaRPr lang="en-US" dirty="0"/>
+          </a:p>
+        </p:txBody>
+      </p:sp>
+      <p:sp>
+        <p:nvSpPr>
+          <p:cNvPr id="3" name="Content Placeholder 2"/>
+          <p:cNvSpPr>
+            <a:spLocks noGrp="1"/>
+          </p:cNvSpPr>
+          <p:nvPr>
+            <p:ph idx="1"/>
+          </p:nvPr>
+        </p:nvSpPr>
+        <p:spPr/>
+        <p:txBody>
+          <a:bodyPr>
+            <a:normAutofit/>
+          </a:bodyPr>
+          <a:lstStyle/>
+          <a:p>
+            <a:r>
+              <a:rPr lang="en-US" dirty="0" smtClean="0"/>
+              <a:t>Shadows are tricky, they cost a lot to compute</a:t>
+            </a:r>
+          </a:p>
+          <a:p>
+            <a:r>
+              <a:rPr lang="en-US" dirty="0" smtClean="0"/>
+              <a:t>4 steps required</a:t>
+            </a:r>
+          </a:p>
+          <a:p>
+            <a:pPr lvl="1"/>
+            <a:r>
+              <a:rPr lang="en-US" dirty="0" smtClean="0"/>
+              <a:t>Let the renderer know we are using shadows</a:t>
+            </a:r>
+          </a:p>
+          <a:p>
+            <a:pPr lvl="1"/>
+            <a:r>
+              <a:rPr lang="en-US" dirty="0" smtClean="0"/>
+              <a:t>Enable shadows on the light source (and decide how detailed they will be)</a:t>
+            </a:r>
+          </a:p>
+          <a:p>
+            <a:pPr lvl="1"/>
+            <a:r>
+              <a:rPr lang="en-US" dirty="0" smtClean="0"/>
+              <a:t>Make at least one object that can cast a shadow</a:t>
+            </a:r>
+          </a:p>
+          <a:p>
+            <a:pPr lvl="1"/>
+            <a:r>
+              <a:rPr lang="en-US" dirty="0" smtClean="0"/>
+              <a:t>Make at least one object that can receive the shadow</a:t>
+            </a:r>
+          </a:p>
+          <a:p>
+            <a:r>
+              <a:rPr lang="en-US" dirty="0" smtClean="0"/>
+              <a:t>What actually happens to make a shadow?</a:t>
+            </a:r>
+          </a:p>
+          <a:p>
+            <a:pPr lvl="1"/>
+            <a:r>
+              <a:rPr lang="en-US" dirty="0" smtClean="0"/>
+              <a:t>The light source creates a new camera that’s only </a:t>
+            </a:r>
+            <a:r>
+              <a:rPr lang="en-US" dirty="0" err="1" smtClean="0"/>
+              <a:t>b+w</a:t>
+            </a:r>
+            <a:endParaRPr lang="en-US" dirty="0" smtClean="0"/>
+          </a:p>
+          <a:p>
+            <a:pPr lvl="1"/>
+            <a:r>
+              <a:rPr lang="en-US" dirty="0" smtClean="0"/>
+              <a:t>Only objects that cast shadows show up in the camera</a:t>
+            </a:r>
+          </a:p>
+          <a:p>
+            <a:pPr lvl="1"/>
+            <a:r>
+              <a:rPr lang="en-US" dirty="0" smtClean="0"/>
+              <a:t>The “screen” of this camera is shown on objects that accept shadows</a:t>
+            </a:r>
+          </a:p>
+          <a:p>
+            <a:endParaRPr lang="en-US" dirty="0" smtClean="0"/>
+          </a:p>
+          <a:p>
+            <a:endParaRPr lang="en-US" dirty="0"/>
+          </a:p>
+        </p:txBody>
+      </p:sp>
+    </p:spTree>
+    <p:extLst>
+      <p:ext uri="{BB962C8B-B14F-4D97-AF65-F5344CB8AC3E}">
+        <p14:creationId xmlns:p14="http://schemas.microsoft.com/office/powerpoint/2010/main" val="756840823"/>
+      </p:ext>
+    </p:extLst>
+  </p:cSld>
+  <p:clrMapOvr>
+    <a:masterClrMapping/>
+  </p:clrMapOvr>
+</p:sld>
+</file>
+
+<file path=ppt/slides/slide15.xml><?xml version="1.0" encoding="utf-8"?>
+<p:sld xmlns:a="http://schemas.openxmlformats.org/drawingml/2006/main" xmlns:r="http://schemas.openxmlformats.org/officeDocument/2006/relationships" xmlns:p="http://schemas.openxmlformats.org/presentationml/2006/main">
+  <p:cSld>
+    <p:spTree>
+      <p:nvGrpSpPr>
+        <p:cNvPr id="1" name=""/>
+        <p:cNvGrpSpPr/>
+        <p:nvPr/>
+      </p:nvGrpSpPr>
+      <p:grpSpPr>
+        <a:xfrm>
+          <a:off x="0" y="0"/>
+          <a:ext cx="0" cy="0"/>
+          <a:chOff x="0" y="0"/>
+          <a:chExt cx="0" cy="0"/>
+        </a:xfrm>
+      </p:grpSpPr>
+      <p:sp>
+        <p:nvSpPr>
+          <p:cNvPr id="2" name="Title 1"/>
+          <p:cNvSpPr>
+            <a:spLocks noGrp="1"/>
+          </p:cNvSpPr>
+          <p:nvPr>
+            <p:ph type="title"/>
+          </p:nvPr>
+        </p:nvSpPr>
+        <p:spPr/>
+        <p:txBody>
+          <a:bodyPr/>
+          <a:lstStyle/>
+          <a:p>
+            <a:r>
+              <a:rPr lang="en-US" dirty="0" smtClean="0"/>
+              <a:t>Playing with Shadows</a:t>
+            </a:r>
+            <a:endParaRPr lang="en-US" dirty="0"/>
+          </a:p>
+        </p:txBody>
+      </p:sp>
+      <p:sp>
+        <p:nvSpPr>
+          <p:cNvPr id="3" name="Content Placeholder 2"/>
+          <p:cNvSpPr>
+            <a:spLocks noGrp="1"/>
+          </p:cNvSpPr>
+          <p:nvPr>
+            <p:ph idx="1"/>
+          </p:nvPr>
+        </p:nvSpPr>
+        <p:spPr/>
+        <p:txBody>
+          <a:bodyPr/>
+          <a:lstStyle/>
+          <a:p>
+            <a:r>
+              <a:rPr lang="en-US" dirty="0" smtClean="0"/>
+              <a:t>Open the 03 Shadow project</a:t>
+            </a:r>
+          </a:p>
+          <a:p>
+            <a:r>
+              <a:rPr lang="en-US" dirty="0" smtClean="0"/>
+              <a:t>Try changing the </a:t>
+            </a:r>
+            <a:r>
+              <a:rPr lang="en-US" dirty="0" err="1" smtClean="0"/>
+              <a:t>shadowMap</a:t>
+            </a:r>
+            <a:r>
+              <a:rPr lang="en-US" dirty="0" smtClean="0"/>
+              <a:t> size to something smaller (like 256)</a:t>
+            </a:r>
+          </a:p>
+          <a:p>
+            <a:pPr lvl="1"/>
+            <a:r>
+              <a:rPr lang="en-US" dirty="0" smtClean="0"/>
+              <a:t>These values are basically the “resolution” of the shadow</a:t>
+            </a:r>
+          </a:p>
+          <a:p>
+            <a:r>
+              <a:rPr lang="en-US" dirty="0" smtClean="0"/>
+              <a:t>Change the object to something else, see if the shadow changes</a:t>
+            </a:r>
+          </a:p>
+          <a:p>
+            <a:r>
+              <a:rPr lang="en-US" dirty="0" smtClean="0"/>
+              <a:t>De-comment the </a:t>
+            </a:r>
+            <a:r>
+              <a:rPr lang="en-US" dirty="0" err="1" smtClean="0"/>
+              <a:t>shadowCameraHelper</a:t>
+            </a:r>
+            <a:r>
+              <a:rPr lang="en-US" dirty="0" smtClean="0"/>
+              <a:t> to see the area the light’s shadow camera is looking</a:t>
+            </a:r>
+          </a:p>
+          <a:p>
+            <a:r>
+              <a:rPr lang="en-US" dirty="0" smtClean="0"/>
+              <a:t>Add a second light source and make multiple shadows appear</a:t>
+            </a:r>
+            <a:endParaRPr lang="en-US" dirty="0"/>
+          </a:p>
+        </p:txBody>
+      </p:sp>
+    </p:spTree>
+    <p:extLst>
+      <p:ext uri="{BB962C8B-B14F-4D97-AF65-F5344CB8AC3E}">
+        <p14:creationId xmlns:p14="http://schemas.microsoft.com/office/powerpoint/2010/main" val="211501781"/>
+      </p:ext>
+    </p:extLst>
+  </p:cSld>
+  <p:clrMapOvr>
+    <a:masterClrMapping/>
+  </p:clrMapOvr>
+</p:sld>
+</file>
+
 <file path=ppt/slides/slide2.xml><?xml version="1.0" encoding="utf-8"?>
 <p:sld xmlns:a="http://schemas.openxmlformats.org/drawingml/2006/main" xmlns:r="http://schemas.openxmlformats.org/officeDocument/2006/relationships" xmlns:p="http://schemas.openxmlformats.org/presentationml/2006/main">
   <p:cSld>
@@ -4997,13 +5218,8 @@
           <a:p>
             <a:r>
               <a:rPr lang="en-US" dirty="0" smtClean="0"/>
-              <a:t>How does the coordinate system work in </a:t>
-            </a:r>
-            <a:r>
-              <a:rPr lang="en-US" dirty="0" smtClean="0"/>
-              <a:t>3D?</a:t>
-            </a:r>
-            <a:endParaRPr lang="en-US" dirty="0" smtClean="0"/>
+              <a:t>How does the coordinate system work in 3D?</a:t>
+            </a:r>
           </a:p>
           <a:p>
             <a:r>
@@ -5018,19 +5234,11 @@
             </a:r>
             <a:r>
               <a:rPr lang="en-US" dirty="0" err="1" smtClean="0"/>
-              <a:t>three</a:t>
-            </a:r>
-            <a:r>
-              <a:rPr lang="en-US" dirty="0" err="1" smtClean="0"/>
-              <a:t>.js</a:t>
-            </a:r>
-            <a:r>
-              <a:rPr lang="en-US" dirty="0" smtClean="0"/>
-              <a:t> </a:t>
-            </a:r>
-            <a:r>
-              <a:rPr lang="en-US" dirty="0" smtClean="0"/>
-              <a:t>(JavaScript) and Arduino (c/</a:t>
+              <a:t>three.js</a:t>
+            </a:r>
+            <a:r>
+              <a:rPr lang="en-US" dirty="0" smtClean="0"/>
+              <a:t> (JavaScript) and Arduino (c/</a:t>
             </a:r>
             <a:r>
               <a:rPr lang="en-US" dirty="0" err="1" smtClean="0"/>
@@ -5082,7 +5290,7 @@
           <p:nvPr>
             <p:extLst>
               <p:ext uri="{386F3935-93C4-4BCD-93E2-E3B085C9AB24}">
-                <p16:designElem xmlns:p16="http://schemas.microsoft.com/office/powerpoint/2015/main" xmlns="" val="1"/>
+                <p16:designElem xmlns="" xmlns:p16="http://schemas.microsoft.com/office/powerpoint/2015/main" val="1"/>
               </p:ext>
             </p:extLst>
           </p:nvPr>
@@ -5113,7 +5321,7 @@
           <p:nvPr>
             <p:extLst>
               <p:ext uri="{386F3935-93C4-4BCD-93E2-E3B085C9AB24}">
-                <p16:designElem xmlns:p16="http://schemas.microsoft.com/office/powerpoint/2015/main" xmlns="" val="1"/>
+                <p16:designElem xmlns="" xmlns:p16="http://schemas.microsoft.com/office/powerpoint/2015/main" val="1"/>
               </p:ext>
             </p:extLst>
           </p:nvPr>
@@ -5159,7 +5367,7 @@
           <p:nvPr>
             <p:extLst>
               <p:ext uri="{386F3935-93C4-4BCD-93E2-E3B085C9AB24}">
-                <p16:designElem xmlns:p16="http://schemas.microsoft.com/office/powerpoint/2015/main" xmlns="" val="1"/>
+                <p16:designElem xmlns="" xmlns:p16="http://schemas.microsoft.com/office/powerpoint/2015/main" val="1"/>
               </p:ext>
             </p:extLst>
           </p:nvPr>
@@ -5546,11 +5754,7 @@
           <a:p>
             <a:r>
               <a:rPr lang="en-US" dirty="0" smtClean="0"/>
-              <a:t>Example: </a:t>
-            </a:r>
-            <a:r>
-              <a:rPr lang="en-US" dirty="0" smtClean="0"/>
-              <a:t>Basic</a:t>
+              <a:t>Example: Basic</a:t>
             </a:r>
             <a:endParaRPr lang="en-US" dirty="0"/>
           </a:p>
@@ -5569,13 +5773,21 @@
         <p:spPr/>
         <p:txBody>
           <a:bodyPr>
-            <a:normAutofit/>
+            <a:normAutofit lnSpcReduction="10000"/>
           </a:bodyPr>
           <a:lstStyle/>
           <a:p>
             <a:r>
               <a:rPr lang="en-US" dirty="0" smtClean="0"/>
-              <a:t>Download the web-&gt;</a:t>
+              <a:t>Download the </a:t>
+            </a:r>
+            <a:r>
+              <a:rPr lang="en-US" dirty="0" smtClean="0"/>
+              <a:t>class repo and open the web</a:t>
+            </a:r>
+            <a:r>
+              <a:rPr lang="en-US" dirty="0" smtClean="0"/>
+              <a:t>-&gt;</a:t>
             </a:r>
             <a:r>
               <a:rPr lang="en-US" dirty="0" err="1" smtClean="0"/>
@@ -5625,32 +5837,32 @@
               </a:rPr>
               <a:t> with a text editor</a:t>
             </a:r>
+          </a:p>
+          <a:p>
+            <a:r>
+              <a:rPr lang="en-US" b="1" dirty="0" smtClean="0">
+                <a:sym typeface="Wingdings"/>
+              </a:rPr>
+              <a:t>Play with the code!</a:t>
+            </a:r>
+          </a:p>
+          <a:p>
+            <a:pPr lvl="1"/>
+            <a:r>
+              <a:rPr lang="en-US" dirty="0" smtClean="0">
+                <a:sym typeface="Wingdings"/>
+              </a:rPr>
+              <a:t>Try changing some camera </a:t>
+            </a:r>
+            <a:r>
+              <a:rPr lang="en-US" dirty="0" smtClean="0">
+                <a:sym typeface="Wingdings"/>
+              </a:rPr>
+              <a:t>numbers</a:t>
+            </a:r>
             <a:endParaRPr lang="en-US" dirty="0" smtClean="0">
               <a:sym typeface="Wingdings"/>
             </a:endParaRPr>
-          </a:p>
-          <a:p>
-            <a:r>
-              <a:rPr lang="en-US" b="1" dirty="0" smtClean="0">
-                <a:sym typeface="Wingdings"/>
-              </a:rPr>
-              <a:t>Play with the code</a:t>
-            </a:r>
-            <a:r>
-              <a:rPr lang="en-US" b="1" dirty="0" smtClean="0">
-                <a:sym typeface="Wingdings"/>
-              </a:rPr>
-              <a:t>!</a:t>
-            </a:r>
-          </a:p>
-          <a:p>
-            <a:pPr lvl="1"/>
-            <a:r>
-              <a:rPr lang="en-US" dirty="0" smtClean="0">
-                <a:sym typeface="Wingdings"/>
-              </a:rPr>
-              <a:t>Try changing some camera numbers</a:t>
-            </a:r>
           </a:p>
           <a:p>
             <a:pPr lvl="1"/>
@@ -5664,9 +5876,36 @@
               <a:rPr lang="en-US" dirty="0">
                 <a:sym typeface="Wingdings"/>
               </a:rPr>
-              <a:t>happens if you set the mesh material to wireframe: false?</a:t>
-            </a:r>
-            <a:endParaRPr lang="en-US" b="1" dirty="0">
+              <a:t>happens if you set the mesh material to wireframe: false</a:t>
+            </a:r>
+            <a:r>
+              <a:rPr lang="en-US" dirty="0" smtClean="0">
+                <a:sym typeface="Wingdings"/>
+              </a:rPr>
+              <a:t>?</a:t>
+            </a:r>
+          </a:p>
+          <a:p>
+            <a:pPr lvl="1"/>
+            <a:r>
+              <a:rPr lang="en-US" dirty="0" smtClean="0">
+                <a:sym typeface="Wingdings"/>
+              </a:rPr>
+              <a:t>De-comment the </a:t>
+            </a:r>
+            <a:r>
+              <a:rPr lang="en-US" dirty="0" err="1" smtClean="0">
+                <a:sym typeface="Wingdings"/>
+              </a:rPr>
+              <a:t>axesHelper</a:t>
+            </a:r>
+            <a:r>
+              <a:rPr lang="en-US" dirty="0" smtClean="0">
+                <a:sym typeface="Wingdings"/>
+              </a:rPr>
+              <a:t> to see the scene’s axes drawn for you</a:t>
+            </a:r>
+            <a:endParaRPr lang="en-US" dirty="0">
               <a:sym typeface="Wingdings"/>
             </a:endParaRPr>
           </a:p>
@@ -5692,27 +5931,15 @@
               <a:rPr lang="en-US" dirty="0" smtClean="0">
                 <a:sym typeface="Wingdings"/>
               </a:rPr>
-              <a:t> </a:t>
-            </a:r>
+              <a:t> look similar to the Arduino language?</a:t>
+            </a:r>
+          </a:p>
+          <a:p>
             <a:r>
               <a:rPr lang="en-US" dirty="0" smtClean="0">
                 <a:sym typeface="Wingdings"/>
               </a:rPr>
-              <a:t>look similar to the Arduino language?</a:t>
-            </a:r>
-          </a:p>
-          <a:p>
-            <a:r>
-              <a:rPr lang="en-US" dirty="0" smtClean="0">
-                <a:sym typeface="Wingdings"/>
-              </a:rPr>
-              <a:t>How does it look different</a:t>
-            </a:r>
-            <a:r>
-              <a:rPr lang="en-US" dirty="0" smtClean="0">
-                <a:sym typeface="Wingdings"/>
-              </a:rPr>
-              <a:t>?</a:t>
+              <a:t>How does it look different?</a:t>
             </a:r>
           </a:p>
           <a:p>
@@ -5933,7 +6160,7 @@
           <p:nvPr>
             <p:extLst>
               <p:ext uri="{386F3935-93C4-4BCD-93E2-E3B085C9AB24}">
-                <p16:designElem xmlns:p16="http://schemas.microsoft.com/office/powerpoint/2015/main" xmlns="" val="1"/>
+                <p16:designElem xmlns="" xmlns:p16="http://schemas.microsoft.com/office/powerpoint/2015/main" val="1"/>
               </p:ext>
             </p:extLst>
           </p:nvPr>
@@ -5964,7 +6191,7 @@
           <p:nvPr>
             <p:extLst>
               <p:ext uri="{386F3935-93C4-4BCD-93E2-E3B085C9AB24}">
-                <p16:designElem xmlns:p16="http://schemas.microsoft.com/office/powerpoint/2015/main" xmlns="" val="1"/>
+                <p16:designElem xmlns="" xmlns:p16="http://schemas.microsoft.com/office/powerpoint/2015/main" val="1"/>
               </p:ext>
             </p:extLst>
           </p:nvPr>
@@ -6010,7 +6237,7 @@
           <p:nvPr>
             <p:extLst>
               <p:ext uri="{386F3935-93C4-4BCD-93E2-E3B085C9AB24}">
-                <p16:designElem xmlns:p16="http://schemas.microsoft.com/office/powerpoint/2015/main" xmlns="" val="1"/>
+                <p16:designElem xmlns="" xmlns:p16="http://schemas.microsoft.com/office/powerpoint/2015/main" val="1"/>
               </p:ext>
             </p:extLst>
           </p:nvPr>
@@ -6058,7 +6285,7 @@
           <p:nvPr>
             <p:extLst>
               <p:ext uri="{386F3935-93C4-4BCD-93E2-E3B085C9AB24}">
-                <p16:designElem xmlns:p16="http://schemas.microsoft.com/office/powerpoint/2015/main" xmlns="" val="1"/>
+                <p16:designElem xmlns="" xmlns:p16="http://schemas.microsoft.com/office/powerpoint/2015/main" val="1"/>
               </p:ext>
             </p:extLst>
           </p:nvPr>
@@ -6190,27 +6417,7 @@
                   </a:schemeClr>
                 </a:solidFill>
               </a:rPr>
-              <a:t>Remember the </a:t>
-            </a:r>
-            <a:r>
-              <a:rPr lang="en-US" sz="1800" dirty="0" smtClean="0">
-                <a:solidFill>
-                  <a:schemeClr val="tx1">
-                    <a:lumMod val="85000"/>
-                  </a:schemeClr>
-                </a:solidFill>
-              </a:rPr>
-              <a:t>Documentation</a:t>
-            </a:r>
-            <a:r>
-              <a:rPr lang="en-US" sz="1800" dirty="0" smtClean="0">
-                <a:solidFill>
-                  <a:schemeClr val="tx1">
-                    <a:lumMod val="85000"/>
-                  </a:schemeClr>
-                </a:solidFill>
-              </a:rPr>
-              <a:t>!</a:t>
+              <a:t>Remember the Documentation!</a:t>
             </a:r>
           </a:p>
           <a:p>
@@ -6545,7 +6752,7 @@
   <a:extraClrSchemeLst/>
   <a:extLst>
     <a:ext uri="{05A4C25C-085E-4340-85A3-A5531E510DB2}">
-      <thm15:themeFamily xmlns:thm15="http://schemas.microsoft.com/office/thememl/2012/main" xmlns="" name="View" id="{BA0EB5A6-F2D4-4F82-977B-64ADEE4A2A69}" vid="{23C5FE65-18CC-4A65-9EBC-B05E331504EC}"/>
+      <thm15:themeFamily xmlns="" xmlns:thm15="http://schemas.microsoft.com/office/thememl/2012/main" name="View" id="{BA0EB5A6-F2D4-4F82-977B-64ADEE4A2A69}" vid="{23C5FE65-18CC-4A65-9EBC-B05E331504EC}"/>
     </a:ext>
   </a:extLst>
 </a:theme>
@@ -6806,7 +7013,7 @@
   <a:extraClrSchemeLst/>
   <a:extLst>
     <a:ext uri="{05A4C25C-085E-4340-85A3-A5531E510DB2}">
-      <thm15:themeFamily xmlns:thm15="http://schemas.microsoft.com/office/thememl/2012/main" xmlns="" name="Office Theme" id="{62F939B6-93AF-4DB8-9C6B-D6C7DFDC589F}" vid="{4A3C46E8-61CC-4603-A589-7422A47A8E4A}"/>
+      <thm15:themeFamily xmlns="" xmlns:thm15="http://schemas.microsoft.com/office/thememl/2012/main" name="Office Theme" id="{62F939B6-93AF-4DB8-9C6B-D6C7DFDC589F}" vid="{4A3C46E8-61CC-4603-A589-7422A47A8E4A}"/>
     </a:ext>
   </a:extLst>
 </a:theme>

--- a/web/02_intro_to_threejs.pptx
+++ b/web/02_intro_to_threejs.pptx
@@ -5,7 +5,7 @@
     <p:sldMasterId id="2147484031" r:id="rId1"/>
   </p:sldMasterIdLst>
   <p:notesMasterIdLst>
-    <p:notesMasterId r:id="rId17"/>
+    <p:notesMasterId r:id="rId18"/>
   </p:notesMasterIdLst>
   <p:sldIdLst>
     <p:sldId id="256" r:id="rId2"/>
@@ -23,6 +23,7 @@
     <p:sldId id="269" r:id="rId14"/>
     <p:sldId id="276" r:id="rId15"/>
     <p:sldId id="277" r:id="rId16"/>
+    <p:sldId id="278" r:id="rId17"/>
   </p:sldIdLst>
   <p:sldSz cx="12192000" cy="6858000"/>
   <p:notesSz cx="6858000" cy="9144000"/>
@@ -5129,6 +5130,111 @@
     <p:extLst>
       <p:ext uri="{BB962C8B-B14F-4D97-AF65-F5344CB8AC3E}">
         <p14:creationId xmlns:p14="http://schemas.microsoft.com/office/powerpoint/2010/main" val="211501781"/>
+      </p:ext>
+    </p:extLst>
+  </p:cSld>
+  <p:clrMapOvr>
+    <a:masterClrMapping/>
+  </p:clrMapOvr>
+</p:sld>
+</file>
+
+<file path=ppt/slides/slide16.xml><?xml version="1.0" encoding="utf-8"?>
+<p:sld xmlns:a="http://schemas.openxmlformats.org/drawingml/2006/main" xmlns:r="http://schemas.openxmlformats.org/officeDocument/2006/relationships" xmlns:p="http://schemas.openxmlformats.org/presentationml/2006/main">
+  <p:cSld>
+    <p:spTree>
+      <p:nvGrpSpPr>
+        <p:cNvPr id="1" name=""/>
+        <p:cNvGrpSpPr/>
+        <p:nvPr/>
+      </p:nvGrpSpPr>
+      <p:grpSpPr>
+        <a:xfrm>
+          <a:off x="0" y="0"/>
+          <a:ext cx="0" cy="0"/>
+          <a:chOff x="0" y="0"/>
+          <a:chExt cx="0" cy="0"/>
+        </a:xfrm>
+      </p:grpSpPr>
+      <p:sp>
+        <p:nvSpPr>
+          <p:cNvPr id="2" name="Title 1"/>
+          <p:cNvSpPr>
+            <a:spLocks noGrp="1"/>
+          </p:cNvSpPr>
+          <p:nvPr>
+            <p:ph type="title"/>
+          </p:nvPr>
+        </p:nvSpPr>
+        <p:spPr/>
+        <p:txBody>
+          <a:bodyPr/>
+          <a:lstStyle/>
+          <a:p>
+            <a:r>
+              <a:rPr lang="en-US" dirty="0" smtClean="0"/>
+              <a:t>Want to do even more?</a:t>
+            </a:r>
+            <a:endParaRPr lang="en-US" dirty="0"/>
+          </a:p>
+        </p:txBody>
+      </p:sp>
+      <p:sp>
+        <p:nvSpPr>
+          <p:cNvPr id="3" name="Content Placeholder 2"/>
+          <p:cNvSpPr>
+            <a:spLocks noGrp="1"/>
+          </p:cNvSpPr>
+          <p:nvPr>
+            <p:ph idx="1"/>
+          </p:nvPr>
+        </p:nvSpPr>
+        <p:spPr/>
+        <p:txBody>
+          <a:bodyPr/>
+          <a:lstStyle/>
+          <a:p>
+            <a:r>
+              <a:rPr lang="en-US" dirty="0" smtClean="0"/>
+              <a:t>Check out the </a:t>
+            </a:r>
+            <a:r>
+              <a:rPr lang="en-US" dirty="0" err="1" smtClean="0"/>
+              <a:t>three.js</a:t>
+            </a:r>
+            <a:r>
+              <a:rPr lang="en-US" dirty="0" smtClean="0"/>
+              <a:t> examples page</a:t>
+            </a:r>
+          </a:p>
+          <a:p>
+            <a:pPr marL="0" indent="0">
+              <a:buNone/>
+            </a:pPr>
+            <a:r>
+              <a:rPr lang="en-US" dirty="0">
+                <a:hlinkClick r:id="rId2"/>
+              </a:rPr>
+              <a:t>https://threejs.org/examples</a:t>
+            </a:r>
+            <a:r>
+              <a:rPr lang="en-US" dirty="0" smtClean="0">
+                <a:hlinkClick r:id="rId2"/>
+              </a:rPr>
+              <a:t>/</a:t>
+            </a:r>
+            <a:r>
+              <a:rPr lang="en-US" dirty="0" smtClean="0"/>
+              <a:t> </a:t>
+            </a:r>
+            <a:endParaRPr lang="en-US" dirty="0"/>
+          </a:p>
+        </p:txBody>
+      </p:sp>
+    </p:spTree>
+    <p:extLst>
+      <p:ext uri="{BB962C8B-B14F-4D97-AF65-F5344CB8AC3E}">
+        <p14:creationId xmlns:p14="http://schemas.microsoft.com/office/powerpoint/2010/main" val="3840054422"/>
       </p:ext>
     </p:extLst>
   </p:cSld>

--- a/web/02_intro_to_threejs.pptx
+++ b/web/02_intro_to_threejs.pptx
@@ -4309,7 +4309,7 @@
               </a:rPr>
               <a:t>MeshStandardMaterial</a:t>
             </a:r>
-            <a:endParaRPr lang="en-US" dirty="0">
+            <a:endParaRPr lang="en-US" dirty="0" smtClean="0">
               <a:sym typeface="Wingdings"/>
             </a:endParaRPr>
           </a:p>
@@ -5227,6 +5227,12 @@
               <a:rPr lang="en-US" dirty="0" smtClean="0"/>
               <a:t> </a:t>
             </a:r>
+          </a:p>
+          <a:p>
+            <a:r>
+              <a:rPr lang="en-US" dirty="0" smtClean="0"/>
+              <a:t>Download some of them and read the code, see if you can make it even better!</a:t>
+            </a:r>
             <a:endParaRPr lang="en-US" dirty="0"/>
           </a:p>
         </p:txBody>
@@ -5574,8 +5580,13 @@
           <a:p>
             <a:r>
               <a:rPr lang="en-US" dirty="0"/>
-              <a:t>JavaScript language</a:t>
-            </a:r>
+              <a:t>JavaScript </a:t>
+            </a:r>
+            <a:r>
+              <a:rPr lang="en-US" dirty="0" smtClean="0"/>
+              <a:t>library</a:t>
+            </a:r>
+            <a:endParaRPr lang="en-US" dirty="0"/>
           </a:p>
           <a:p>
             <a:r>
@@ -5787,8 +5798,9 @@
           <a:p>
             <a:r>
               <a:rPr lang="en-US" dirty="0" smtClean="0"/>
-              <a:t>Lightning</a:t>
-            </a:r>
+              <a:t>Lighting</a:t>
+            </a:r>
+            <a:endParaRPr lang="en-US" dirty="0" smtClean="0"/>
           </a:p>
           <a:p>
             <a:pPr lvl="1"/>
@@ -5807,7 +5819,15 @@
             <a:pPr lvl="1"/>
             <a:r>
               <a:rPr lang="en-US" dirty="0" smtClean="0"/>
-              <a:t>The technical details for how a virtual scene becomes something we see of the screen</a:t>
+              <a:t>The technical details for how a virtual scene becomes something we see </a:t>
+            </a:r>
+            <a:r>
+              <a:rPr lang="en-US" dirty="0" smtClean="0"/>
+              <a:t>on </a:t>
+            </a:r>
+            <a:r>
+              <a:rPr lang="en-US" dirty="0" smtClean="0"/>
+              <a:t>the screen</a:t>
             </a:r>
             <a:endParaRPr lang="en-US" dirty="0"/>
           </a:p>
